--- a/Slide shows from symposia and network introduction/Probably the world’s best heart.dk-quiz.pptx
+++ b/Slide shows from symposia and network introduction/Probably the world’s best heart.dk-quiz.pptx
@@ -209,7 +209,7 @@
           <a:p>
             <a:fld id="{38A4E2A2-0082-4414-A67A-AB7A7FF1DA54}" type="datetimeFigureOut">
               <a:rPr lang="da-DK" smtClean="0"/>
-              <a:t>12-06-2025</a:t>
+              <a:t>13-06-2025</a:t>
             </a:fld>
             <a:endParaRPr lang="da-DK"/>
           </a:p>
@@ -756,7 +756,7 @@
           <a:p>
             <a:fld id="{03971619-C2AC-46F4-83EA-C82B1148CB6A}" type="datetimeFigureOut">
               <a:rPr lang="da-DK" smtClean="0"/>
-              <a:t>12-06-2025</a:t>
+              <a:t>13-06-2025</a:t>
             </a:fld>
             <a:endParaRPr lang="da-DK"/>
           </a:p>
@@ -977,7 +977,7 @@
           <a:p>
             <a:fld id="{03971619-C2AC-46F4-83EA-C82B1148CB6A}" type="datetimeFigureOut">
               <a:rPr lang="da-DK" smtClean="0"/>
-              <a:t>12-06-2025</a:t>
+              <a:t>13-06-2025</a:t>
             </a:fld>
             <a:endParaRPr lang="da-DK"/>
           </a:p>
@@ -1157,7 +1157,7 @@
           <a:p>
             <a:fld id="{03971619-C2AC-46F4-83EA-C82B1148CB6A}" type="datetimeFigureOut">
               <a:rPr lang="da-DK" smtClean="0"/>
-              <a:t>12-06-2025</a:t>
+              <a:t>13-06-2025</a:t>
             </a:fld>
             <a:endParaRPr lang="da-DK"/>
           </a:p>
@@ -1327,7 +1327,7 @@
           <a:p>
             <a:fld id="{03971619-C2AC-46F4-83EA-C82B1148CB6A}" type="datetimeFigureOut">
               <a:rPr lang="da-DK" smtClean="0"/>
-              <a:t>12-06-2025</a:t>
+              <a:t>13-06-2025</a:t>
             </a:fld>
             <a:endParaRPr lang="da-DK"/>
           </a:p>
@@ -1578,7 +1578,7 @@
           <a:p>
             <a:fld id="{03971619-C2AC-46F4-83EA-C82B1148CB6A}" type="datetimeFigureOut">
               <a:rPr lang="da-DK" smtClean="0"/>
-              <a:t>12-06-2025</a:t>
+              <a:t>13-06-2025</a:t>
             </a:fld>
             <a:endParaRPr lang="da-DK"/>
           </a:p>
@@ -1901,7 +1901,7 @@
           <a:p>
             <a:fld id="{03971619-C2AC-46F4-83EA-C82B1148CB6A}" type="datetimeFigureOut">
               <a:rPr lang="da-DK" smtClean="0"/>
-              <a:t>12-06-2025</a:t>
+              <a:t>13-06-2025</a:t>
             </a:fld>
             <a:endParaRPr lang="da-DK"/>
           </a:p>
@@ -2325,7 +2325,7 @@
           <a:p>
             <a:fld id="{03971619-C2AC-46F4-83EA-C82B1148CB6A}" type="datetimeFigureOut">
               <a:rPr lang="da-DK" smtClean="0"/>
-              <a:t>12-06-2025</a:t>
+              <a:t>13-06-2025</a:t>
             </a:fld>
             <a:endParaRPr lang="da-DK"/>
           </a:p>
@@ -2443,7 +2443,7 @@
           <a:p>
             <a:fld id="{03971619-C2AC-46F4-83EA-C82B1148CB6A}" type="datetimeFigureOut">
               <a:rPr lang="da-DK" smtClean="0"/>
-              <a:t>12-06-2025</a:t>
+              <a:t>13-06-2025</a:t>
             </a:fld>
             <a:endParaRPr lang="da-DK"/>
           </a:p>
@@ -2538,7 +2538,7 @@
           <a:p>
             <a:fld id="{03971619-C2AC-46F4-83EA-C82B1148CB6A}" type="datetimeFigureOut">
               <a:rPr lang="da-DK" smtClean="0"/>
-              <a:t>12-06-2025</a:t>
+              <a:t>13-06-2025</a:t>
             </a:fld>
             <a:endParaRPr lang="da-DK"/>
           </a:p>
@@ -2828,7 +2828,7 @@
           <a:p>
             <a:fld id="{03971619-C2AC-46F4-83EA-C82B1148CB6A}" type="datetimeFigureOut">
               <a:rPr lang="da-DK" smtClean="0"/>
-              <a:t>12-06-2025</a:t>
+              <a:t>13-06-2025</a:t>
             </a:fld>
             <a:endParaRPr lang="da-DK"/>
           </a:p>
@@ -3100,7 +3100,7 @@
           <a:p>
             <a:fld id="{03971619-C2AC-46F4-83EA-C82B1148CB6A}" type="datetimeFigureOut">
               <a:rPr lang="da-DK" smtClean="0"/>
-              <a:t>12-06-2025</a:t>
+              <a:t>13-06-2025</a:t>
             </a:fld>
             <a:endParaRPr lang="da-DK"/>
           </a:p>
@@ -3354,7 +3354,7 @@
           <a:p>
             <a:fld id="{03971619-C2AC-46F4-83EA-C82B1148CB6A}" type="datetimeFigureOut">
               <a:rPr lang="da-DK" smtClean="0"/>
-              <a:t>12-06-2025</a:t>
+              <a:t>13-06-2025</a:t>
             </a:fld>
             <a:endParaRPr lang="da-DK"/>
           </a:p>
@@ -6793,7 +6793,7 @@
             </a:r>
             <a:r>
               <a:rPr lang="da-DK" sz="3200" dirty="0" err="1"/>
-              <a:t>incorrect</a:t>
+              <a:t>correct</a:t>
             </a:r>
             <a:r>
               <a:rPr lang="da-DK" sz="3200" dirty="0"/>
